--- a/tugas/postgresql/coffee-shop.pptx
+++ b/tugas/postgresql/coffee-shop.pptx
@@ -108,6 +108,11 @@
       </a:defRPr>
     </a:lvl9pPr>
   </p:defaultTextStyle>
+  <p:extLst>
+    <p:ext uri="{EFAFB233-063F-42B5-8137-9DF3F51BA10A}">
+      <p15:sldGuideLst xmlns:p15="http://schemas.microsoft.com/office/powerpoint/2012/main"/>
+    </p:ext>
+  </p:extLst>
 </p:presentation>
 </file>
 
@@ -501,7 +506,7 @@
           <a:p>
             <a:fld id="{EEAD4EB2-3C36-4C29-A367-2CAAADA3D046}" type="datetimeFigureOut">
               <a:rPr lang="en-ID" smtClean="0"/>
-              <a:t>11/09/2023</a:t>
+              <a:t>12/09/2023</a:t>
             </a:fld>
             <a:endParaRPr lang="en-ID"/>
           </a:p>
@@ -701,7 +706,7 @@
           <a:p>
             <a:fld id="{EEAD4EB2-3C36-4C29-A367-2CAAADA3D046}" type="datetimeFigureOut">
               <a:rPr lang="en-ID" smtClean="0"/>
-              <a:t>11/09/2023</a:t>
+              <a:t>12/09/2023</a:t>
             </a:fld>
             <a:endParaRPr lang="en-ID"/>
           </a:p>
@@ -911,7 +916,7 @@
           <a:p>
             <a:fld id="{EEAD4EB2-3C36-4C29-A367-2CAAADA3D046}" type="datetimeFigureOut">
               <a:rPr lang="en-ID" smtClean="0"/>
-              <a:t>11/09/2023</a:t>
+              <a:t>12/09/2023</a:t>
             </a:fld>
             <a:endParaRPr lang="en-ID"/>
           </a:p>
@@ -1111,7 +1116,7 @@
           <a:p>
             <a:fld id="{EEAD4EB2-3C36-4C29-A367-2CAAADA3D046}" type="datetimeFigureOut">
               <a:rPr lang="en-ID" smtClean="0"/>
-              <a:t>11/09/2023</a:t>
+              <a:t>12/09/2023</a:t>
             </a:fld>
             <a:endParaRPr lang="en-ID"/>
           </a:p>
@@ -1387,7 +1392,7 @@
           <a:p>
             <a:fld id="{EEAD4EB2-3C36-4C29-A367-2CAAADA3D046}" type="datetimeFigureOut">
               <a:rPr lang="en-ID" smtClean="0"/>
-              <a:t>11/09/2023</a:t>
+              <a:t>12/09/2023</a:t>
             </a:fld>
             <a:endParaRPr lang="en-ID"/>
           </a:p>
@@ -1655,7 +1660,7 @@
           <a:p>
             <a:fld id="{EEAD4EB2-3C36-4C29-A367-2CAAADA3D046}" type="datetimeFigureOut">
               <a:rPr lang="en-ID" smtClean="0"/>
-              <a:t>11/09/2023</a:t>
+              <a:t>12/09/2023</a:t>
             </a:fld>
             <a:endParaRPr lang="en-ID"/>
           </a:p>
@@ -2070,7 +2075,7 @@
           <a:p>
             <a:fld id="{EEAD4EB2-3C36-4C29-A367-2CAAADA3D046}" type="datetimeFigureOut">
               <a:rPr lang="en-ID" smtClean="0"/>
-              <a:t>11/09/2023</a:t>
+              <a:t>12/09/2023</a:t>
             </a:fld>
             <a:endParaRPr lang="en-ID"/>
           </a:p>
@@ -2212,7 +2217,7 @@
           <a:p>
             <a:fld id="{EEAD4EB2-3C36-4C29-A367-2CAAADA3D046}" type="datetimeFigureOut">
               <a:rPr lang="en-ID" smtClean="0"/>
-              <a:t>11/09/2023</a:t>
+              <a:t>12/09/2023</a:t>
             </a:fld>
             <a:endParaRPr lang="en-ID"/>
           </a:p>
@@ -2325,7 +2330,7 @@
           <a:p>
             <a:fld id="{EEAD4EB2-3C36-4C29-A367-2CAAADA3D046}" type="datetimeFigureOut">
               <a:rPr lang="en-ID" smtClean="0"/>
-              <a:t>11/09/2023</a:t>
+              <a:t>12/09/2023</a:t>
             </a:fld>
             <a:endParaRPr lang="en-ID"/>
           </a:p>
@@ -2638,7 +2643,7 @@
           <a:p>
             <a:fld id="{EEAD4EB2-3C36-4C29-A367-2CAAADA3D046}" type="datetimeFigureOut">
               <a:rPr lang="en-ID" smtClean="0"/>
-              <a:t>11/09/2023</a:t>
+              <a:t>12/09/2023</a:t>
             </a:fld>
             <a:endParaRPr lang="en-ID"/>
           </a:p>
@@ -2927,7 +2932,7 @@
           <a:p>
             <a:fld id="{EEAD4EB2-3C36-4C29-A367-2CAAADA3D046}" type="datetimeFigureOut">
               <a:rPr lang="en-ID" smtClean="0"/>
-              <a:t>11/09/2023</a:t>
+              <a:t>12/09/2023</a:t>
             </a:fld>
             <a:endParaRPr lang="en-ID"/>
           </a:p>
@@ -3170,7 +3175,7 @@
           <a:p>
             <a:fld id="{EEAD4EB2-3C36-4C29-A367-2CAAADA3D046}" type="datetimeFigureOut">
               <a:rPr lang="en-ID" smtClean="0"/>
-              <a:t>11/09/2023</a:t>
+              <a:t>12/09/2023</a:t>
             </a:fld>
             <a:endParaRPr lang="en-ID"/>
           </a:p>
@@ -3717,12 +3722,8 @@
           <a:lstStyle/>
           <a:p>
             <a:r>
-              <a:rPr lang="en-ID" dirty="0" err="1"/>
-              <a:t>sql</a:t>
-            </a:r>
-            <a:r>
-              <a:rPr lang="en-ID" dirty="0"/>
-              <a:t> </a:t>
+              <a:rPr lang="en-ID"/>
+              <a:t>SQL </a:t>
             </a:r>
             <a:r>
               <a:rPr lang="en-ID" dirty="0" err="1"/>
@@ -3901,7 +3902,12 @@
             <p:ph idx="1"/>
           </p:nvPr>
         </p:nvSpPr>
-        <p:spPr/>
+        <p:spPr>
+          <a:xfrm>
+            <a:off x="838200" y="1825625"/>
+            <a:ext cx="10515600" cy="3674630"/>
+          </a:xfrm>
+        </p:spPr>
         <p:txBody>
           <a:bodyPr/>
           <a:lstStyle/>
@@ -4016,6 +4022,364 @@
           </a:p>
         </p:txBody>
       </p:sp>
+      <p:graphicFrame>
+        <p:nvGraphicFramePr>
+          <p:cNvPr id="4" name="Table 4">
+            <a:extLst>
+              <a:ext uri="{FF2B5EF4-FFF2-40B4-BE49-F238E27FC236}">
+                <a16:creationId xmlns:a16="http://schemas.microsoft.com/office/drawing/2014/main" id="{F4E25B8A-F84B-80FE-0B2A-A29CEF045FEE}"/>
+              </a:ext>
+            </a:extLst>
+          </p:cNvPr>
+          <p:cNvGraphicFramePr>
+            <a:graphicFrameLocks noGrp="1"/>
+          </p:cNvGraphicFramePr>
+          <p:nvPr>
+            <p:extLst>
+              <p:ext uri="{D42A27DB-BD31-4B8C-83A1-F6EECF244321}">
+                <p14:modId xmlns:p14="http://schemas.microsoft.com/office/powerpoint/2010/main" val="3736151042"/>
+              </p:ext>
+            </p:extLst>
+          </p:nvPr>
+        </p:nvGraphicFramePr>
+        <p:xfrm>
+          <a:off x="5361712" y="3669867"/>
+          <a:ext cx="1870361" cy="1483360"/>
+        </p:xfrm>
+        <a:graphic>
+          <a:graphicData uri="http://schemas.openxmlformats.org/drawingml/2006/table">
+            <a:tbl>
+              <a:tblPr firstRow="1" bandRow="1">
+                <a:tableStyleId>{5C22544A-7EE6-4342-B048-85BDC9FD1C3A}</a:tableStyleId>
+              </a:tblPr>
+              <a:tblGrid>
+                <a:gridCol w="1870361">
+                  <a:extLst>
+                    <a:ext uri="{9D8B030D-6E8A-4147-A177-3AD203B41FA5}">
+                      <a16:colId xmlns:a16="http://schemas.microsoft.com/office/drawing/2014/main" val="1396809779"/>
+                    </a:ext>
+                  </a:extLst>
+                </a:gridCol>
+              </a:tblGrid>
+              <a:tr h="370840">
+                <a:tc>
+                  <a:txBody>
+                    <a:bodyPr/>
+                    <a:lstStyle/>
+                    <a:p>
+                      <a:pPr algn="ctr"/>
+                      <a:r>
+                        <a:rPr lang="en-US" sz="1600" dirty="0"/>
+                        <a:t>User</a:t>
+                      </a:r>
+                      <a:endParaRPr lang="en-ID" sz="1600" dirty="0"/>
+                    </a:p>
+                  </a:txBody>
+                  <a:tcPr/>
+                </a:tc>
+                <a:extLst>
+                  <a:ext uri="{0D108BD9-81ED-4DB2-BD59-A6C34878D82A}">
+                    <a16:rowId xmlns:a16="http://schemas.microsoft.com/office/drawing/2014/main" val="2222263637"/>
+                  </a:ext>
+                </a:extLst>
+              </a:tr>
+              <a:tr h="370840">
+                <a:tc>
+                  <a:txBody>
+                    <a:bodyPr/>
+                    <a:lstStyle/>
+                    <a:p>
+                      <a:pPr algn="ctr"/>
+                      <a:r>
+                        <a:rPr lang="en-US" sz="1600" dirty="0"/>
+                        <a:t>id</a:t>
+                      </a:r>
+                      <a:endParaRPr lang="en-ID" sz="1600" dirty="0"/>
+                    </a:p>
+                  </a:txBody>
+                  <a:tcPr/>
+                </a:tc>
+                <a:extLst>
+                  <a:ext uri="{0D108BD9-81ED-4DB2-BD59-A6C34878D82A}">
+                    <a16:rowId xmlns:a16="http://schemas.microsoft.com/office/drawing/2014/main" val="2062504349"/>
+                  </a:ext>
+                </a:extLst>
+              </a:tr>
+              <a:tr h="370840">
+                <a:tc>
+                  <a:txBody>
+                    <a:bodyPr/>
+                    <a:lstStyle/>
+                    <a:p>
+                      <a:pPr algn="ctr"/>
+                      <a:r>
+                        <a:rPr lang="en-US" sz="1600" dirty="0"/>
+                        <a:t>username</a:t>
+                      </a:r>
+                      <a:endParaRPr lang="en-ID" sz="1600" dirty="0"/>
+                    </a:p>
+                  </a:txBody>
+                  <a:tcPr/>
+                </a:tc>
+                <a:extLst>
+                  <a:ext uri="{0D108BD9-81ED-4DB2-BD59-A6C34878D82A}">
+                    <a16:rowId xmlns:a16="http://schemas.microsoft.com/office/drawing/2014/main" val="3373948379"/>
+                  </a:ext>
+                </a:extLst>
+              </a:tr>
+              <a:tr h="370840">
+                <a:tc>
+                  <a:txBody>
+                    <a:bodyPr/>
+                    <a:lstStyle/>
+                    <a:p>
+                      <a:pPr algn="ctr"/>
+                      <a:r>
+                        <a:rPr lang="en-US" sz="1600" dirty="0"/>
+                        <a:t>password</a:t>
+                      </a:r>
+                      <a:endParaRPr lang="en-ID" sz="1600" dirty="0"/>
+                    </a:p>
+                  </a:txBody>
+                  <a:tcPr/>
+                </a:tc>
+                <a:extLst>
+                  <a:ext uri="{0D108BD9-81ED-4DB2-BD59-A6C34878D82A}">
+                    <a16:rowId xmlns:a16="http://schemas.microsoft.com/office/drawing/2014/main" val="2795909988"/>
+                  </a:ext>
+                </a:extLst>
+              </a:tr>
+            </a:tbl>
+          </a:graphicData>
+        </a:graphic>
+      </p:graphicFrame>
+      <p:graphicFrame>
+        <p:nvGraphicFramePr>
+          <p:cNvPr id="5" name="Table 5">
+            <a:extLst>
+              <a:ext uri="{FF2B5EF4-FFF2-40B4-BE49-F238E27FC236}">
+                <a16:creationId xmlns:a16="http://schemas.microsoft.com/office/drawing/2014/main" id="{18692A40-F155-FDE7-FE65-D5671673CDE4}"/>
+              </a:ext>
+            </a:extLst>
+          </p:cNvPr>
+          <p:cNvGraphicFramePr>
+            <a:graphicFrameLocks noGrp="1"/>
+          </p:cNvGraphicFramePr>
+          <p:nvPr>
+            <p:extLst>
+              <p:ext uri="{D42A27DB-BD31-4B8C-83A1-F6EECF244321}">
+                <p14:modId xmlns:p14="http://schemas.microsoft.com/office/powerpoint/2010/main" val="2463215887"/>
+              </p:ext>
+            </p:extLst>
+          </p:nvPr>
+        </p:nvGraphicFramePr>
+        <p:xfrm>
+          <a:off x="7878618" y="3669867"/>
+          <a:ext cx="3302000" cy="741680"/>
+        </p:xfrm>
+        <a:graphic>
+          <a:graphicData uri="http://schemas.openxmlformats.org/drawingml/2006/table">
+            <a:tbl>
+              <a:tblPr firstRow="1" bandRow="1">
+                <a:tableStyleId>{5C22544A-7EE6-4342-B048-85BDC9FD1C3A}</a:tableStyleId>
+              </a:tblPr>
+              <a:tblGrid>
+                <a:gridCol w="649430">
+                  <a:extLst>
+                    <a:ext uri="{9D8B030D-6E8A-4147-A177-3AD203B41FA5}">
+                      <a16:colId xmlns:a16="http://schemas.microsoft.com/office/drawing/2014/main" val="198931187"/>
+                    </a:ext>
+                  </a:extLst>
+                </a:gridCol>
+                <a:gridCol w="1316412">
+                  <a:extLst>
+                    <a:ext uri="{9D8B030D-6E8A-4147-A177-3AD203B41FA5}">
+                      <a16:colId xmlns:a16="http://schemas.microsoft.com/office/drawing/2014/main" val="1201425322"/>
+                    </a:ext>
+                  </a:extLst>
+                </a:gridCol>
+                <a:gridCol w="1336158">
+                  <a:extLst>
+                    <a:ext uri="{9D8B030D-6E8A-4147-A177-3AD203B41FA5}">
+                      <a16:colId xmlns:a16="http://schemas.microsoft.com/office/drawing/2014/main" val="1674687233"/>
+                    </a:ext>
+                  </a:extLst>
+                </a:gridCol>
+              </a:tblGrid>
+              <a:tr h="370840">
+                <a:tc>
+                  <a:txBody>
+                    <a:bodyPr/>
+                    <a:lstStyle/>
+                    <a:p>
+                      <a:r>
+                        <a:rPr lang="en-US" sz="1600" b="1" dirty="0">
+                          <a:solidFill>
+                            <a:sysClr val="windowText" lastClr="000000"/>
+                          </a:solidFill>
+                        </a:rPr>
+                        <a:t>id</a:t>
+                      </a:r>
+                      <a:endParaRPr lang="en-ID" sz="1600" b="1" dirty="0">
+                        <a:solidFill>
+                          <a:sysClr val="windowText" lastClr="000000"/>
+                        </a:solidFill>
+                      </a:endParaRPr>
+                    </a:p>
+                  </a:txBody>
+                  <a:tcPr>
+                    <a:solidFill>
+                      <a:srgbClr val="CFD5EA"/>
+                    </a:solidFill>
+                  </a:tcPr>
+                </a:tc>
+                <a:tc>
+                  <a:txBody>
+                    <a:bodyPr/>
+                    <a:lstStyle/>
+                    <a:p>
+                      <a:r>
+                        <a:rPr lang="en-US" sz="1600" b="1" dirty="0">
+                          <a:solidFill>
+                            <a:sysClr val="windowText" lastClr="000000"/>
+                          </a:solidFill>
+                        </a:rPr>
+                        <a:t>username</a:t>
+                      </a:r>
+                      <a:endParaRPr lang="en-ID" sz="1600" b="1" dirty="0">
+                        <a:solidFill>
+                          <a:sysClr val="windowText" lastClr="000000"/>
+                        </a:solidFill>
+                      </a:endParaRPr>
+                    </a:p>
+                  </a:txBody>
+                  <a:tcPr>
+                    <a:solidFill>
+                      <a:srgbClr val="E9EBF5"/>
+                    </a:solidFill>
+                  </a:tcPr>
+                </a:tc>
+                <a:tc>
+                  <a:txBody>
+                    <a:bodyPr/>
+                    <a:lstStyle/>
+                    <a:p>
+                      <a:r>
+                        <a:rPr lang="en-US" sz="1600" b="1" dirty="0">
+                          <a:solidFill>
+                            <a:sysClr val="windowText" lastClr="000000"/>
+                          </a:solidFill>
+                        </a:rPr>
+                        <a:t>password</a:t>
+                      </a:r>
+                      <a:endParaRPr lang="en-ID" sz="1600" b="1" dirty="0">
+                        <a:solidFill>
+                          <a:sysClr val="windowText" lastClr="000000"/>
+                        </a:solidFill>
+                      </a:endParaRPr>
+                    </a:p>
+                  </a:txBody>
+                  <a:tcPr>
+                    <a:solidFill>
+                      <a:srgbClr val="CFD5EA"/>
+                    </a:solidFill>
+                  </a:tcPr>
+                </a:tc>
+                <a:extLst>
+                  <a:ext uri="{0D108BD9-81ED-4DB2-BD59-A6C34878D82A}">
+                    <a16:rowId xmlns:a16="http://schemas.microsoft.com/office/drawing/2014/main" val="2822625860"/>
+                  </a:ext>
+                </a:extLst>
+              </a:tr>
+              <a:tr h="370840">
+                <a:tc>
+                  <a:txBody>
+                    <a:bodyPr/>
+                    <a:lstStyle/>
+                    <a:p>
+                      <a:r>
+                        <a:rPr lang="en-US" sz="1600" b="0" dirty="0">
+                          <a:solidFill>
+                            <a:sysClr val="windowText" lastClr="000000"/>
+                          </a:solidFill>
+                        </a:rPr>
+                        <a:t>1</a:t>
+                      </a:r>
+                      <a:endParaRPr lang="en-ID" sz="1600" b="0" dirty="0">
+                        <a:solidFill>
+                          <a:sysClr val="windowText" lastClr="000000"/>
+                        </a:solidFill>
+                      </a:endParaRPr>
+                    </a:p>
+                  </a:txBody>
+                  <a:tcPr>
+                    <a:solidFill>
+                      <a:srgbClr val="CFD5EA"/>
+                    </a:solidFill>
+                  </a:tcPr>
+                </a:tc>
+                <a:tc>
+                  <a:txBody>
+                    <a:bodyPr/>
+                    <a:lstStyle/>
+                    <a:p>
+                      <a:r>
+                        <a:rPr lang="en-US" sz="1600" b="0" dirty="0" err="1">
+                          <a:solidFill>
+                            <a:sysClr val="windowText" lastClr="000000"/>
+                          </a:solidFill>
+                        </a:rPr>
+                        <a:t>ridwan</a:t>
+                      </a:r>
+                      <a:endParaRPr lang="en-ID" sz="1600" b="0" dirty="0">
+                        <a:solidFill>
+                          <a:sysClr val="windowText" lastClr="000000"/>
+                        </a:solidFill>
+                      </a:endParaRPr>
+                    </a:p>
+                  </a:txBody>
+                  <a:tcPr>
+                    <a:solidFill>
+                      <a:srgbClr val="E9EBF5"/>
+                    </a:solidFill>
+                  </a:tcPr>
+                </a:tc>
+                <a:tc>
+                  <a:txBody>
+                    <a:bodyPr/>
+                    <a:lstStyle/>
+                    <a:p>
+                      <a:r>
+                        <a:rPr lang="en-US" sz="1600" b="0" dirty="0">
+                          <a:solidFill>
+                            <a:sysClr val="windowText" lastClr="000000"/>
+                          </a:solidFill>
+                        </a:rPr>
+                        <a:t>12345</a:t>
+                      </a:r>
+                      <a:endParaRPr lang="en-ID" sz="1600" b="0" dirty="0">
+                        <a:solidFill>
+                          <a:sysClr val="windowText" lastClr="000000"/>
+                        </a:solidFill>
+                      </a:endParaRPr>
+                    </a:p>
+                  </a:txBody>
+                  <a:tcPr>
+                    <a:solidFill>
+                      <a:srgbClr val="CFD5EA"/>
+                    </a:solidFill>
+                  </a:tcPr>
+                </a:tc>
+                <a:extLst>
+                  <a:ext uri="{0D108BD9-81ED-4DB2-BD59-A6C34878D82A}">
+                    <a16:rowId xmlns:a16="http://schemas.microsoft.com/office/drawing/2014/main" val="2321925971"/>
+                  </a:ext>
+                </a:extLst>
+              </a:tr>
+            </a:tbl>
+          </a:graphicData>
+        </a:graphic>
+      </p:graphicFrame>
     </p:spTree>
     <p:extLst>
       <p:ext uri="{BB962C8B-B14F-4D97-AF65-F5344CB8AC3E}">
@@ -4446,7 +4810,7 @@
           <p:nvPr>
             <p:extLst>
               <p:ext uri="{D42A27DB-BD31-4B8C-83A1-F6EECF244321}">
-                <p14:modId xmlns:p14="http://schemas.microsoft.com/office/powerpoint/2010/main" val="909385530"/>
+                <p14:modId xmlns:p14="http://schemas.microsoft.com/office/powerpoint/2010/main" val="1745743362"/>
               </p:ext>
             </p:extLst>
           </p:nvPr>
@@ -4612,7 +4976,7 @@
           <p:nvPr>
             <p:extLst>
               <p:ext uri="{D42A27DB-BD31-4B8C-83A1-F6EECF244321}">
-                <p14:modId xmlns:p14="http://schemas.microsoft.com/office/powerpoint/2010/main" val="2380232199"/>
+                <p14:modId xmlns:p14="http://schemas.microsoft.com/office/powerpoint/2010/main" val="2320891367"/>
               </p:ext>
             </p:extLst>
           </p:nvPr>

--- a/tugas/postgresql/coffee-shop.pptx
+++ b/tugas/postgresql/coffee-shop.pptx
@@ -3722,8 +3722,8 @@
           <a:lstStyle/>
           <a:p>
             <a:r>
-              <a:rPr lang="en-ID"/>
-              <a:t>SQL </a:t>
+              <a:rPr lang="en-ID" dirty="0"/>
+              <a:t>SQL (Structured Query Language) </a:t>
             </a:r>
             <a:r>
               <a:rPr lang="en-ID" dirty="0" err="1"/>
@@ -3804,25 +3804,15 @@
             <a:pPr lvl="1"/>
             <a:r>
               <a:rPr lang="en-ID" dirty="0"/>
-              <a:t>Database</a:t>
-            </a:r>
-          </a:p>
-          <a:p>
-            <a:pPr lvl="1"/>
-            <a:r>
-              <a:rPr lang="en-ID" dirty="0"/>
-              <a:t>Table</a:t>
-            </a:r>
-          </a:p>
-          <a:p>
-            <a:pPr lvl="1"/>
-            <a:r>
-              <a:rPr lang="en-ID" dirty="0"/>
-              <a:t>Query  = </a:t>
-            </a:r>
-            <a:r>
-              <a:rPr lang="en-ID" sz="2200" dirty="0"/>
-              <a:t>select, insert, update, delete, where, join, primary key dan foreign key</a:t>
+              <a:t>Query  = select, insert, update</a:t>
+            </a:r>
+            <a:r>
+              <a:rPr lang="en-ID"/>
+              <a:t>, delete dan </a:t>
+            </a:r>
+            <a:r>
+              <a:rPr lang="en-ID" dirty="0"/>
+              <a:t>where</a:t>
             </a:r>
           </a:p>
         </p:txBody>
@@ -3909,7 +3899,9 @@
           </a:xfrm>
         </p:spPr>
         <p:txBody>
-          <a:bodyPr/>
+          <a:bodyPr>
+            <a:normAutofit lnSpcReduction="10000"/>
+          </a:bodyPr>
           <a:lstStyle/>
           <a:p>
             <a:r>
@@ -3966,6 +3958,21 @@
               <a:rPr lang="en-ID" dirty="0"/>
               <a:t> open source</a:t>
             </a:r>
+          </a:p>
+          <a:p>
+            <a:r>
+              <a:rPr lang="en-ID" dirty="0" err="1"/>
+              <a:t>Dokumentasi</a:t>
+            </a:r>
+            <a:r>
+              <a:rPr lang="en-ID" dirty="0"/>
+              <a:t> </a:t>
+            </a:r>
+            <a:r>
+              <a:rPr lang="en-ID" dirty="0" err="1"/>
+              <a:t>lengkap</a:t>
+            </a:r>
+            <a:endParaRPr lang="en-ID" dirty="0"/>
           </a:p>
           <a:p>
             <a:r>
